--- a/zdocs/resources/Azure IoT Central Air Quality Monitor.pptx
+++ b/zdocs/resources/Azure IoT Central Air Quality Monitor.pptx
@@ -104,6 +104,11 @@
       </a:defRPr>
     </a:lvl9pPr>
   </p:defaultTextStyle>
+  <p:extLst>
+    <p:ext uri="{EFAFB233-063F-42B5-8137-9DF3F51BA10A}">
+      <p15:sldGuideLst xmlns:p15="http://schemas.microsoft.com/office/powerpoint/2012/main"/>
+    </p:ext>
+  </p:extLst>
 </p:presentation>
 </file>
 
@@ -256,7 +261,7 @@
           <a:p>
             <a:fld id="{EAAB6EBA-9185-4344-A230-77DE96549BD2}" type="datetimeFigureOut">
               <a:rPr lang="en-AU" smtClean="0"/>
-              <a:t>5/05/2020</a:t>
+              <a:t>2/07/2020</a:t>
             </a:fld>
             <a:endParaRPr lang="en-AU"/>
           </a:p>
@@ -456,7 +461,7 @@
           <a:p>
             <a:fld id="{EAAB6EBA-9185-4344-A230-77DE96549BD2}" type="datetimeFigureOut">
               <a:rPr lang="en-AU" smtClean="0"/>
-              <a:t>5/05/2020</a:t>
+              <a:t>2/07/2020</a:t>
             </a:fld>
             <a:endParaRPr lang="en-AU"/>
           </a:p>
@@ -666,7 +671,7 @@
           <a:p>
             <a:fld id="{EAAB6EBA-9185-4344-A230-77DE96549BD2}" type="datetimeFigureOut">
               <a:rPr lang="en-AU" smtClean="0"/>
-              <a:t>5/05/2020</a:t>
+              <a:t>2/07/2020</a:t>
             </a:fld>
             <a:endParaRPr lang="en-AU"/>
           </a:p>
@@ -866,7 +871,7 @@
           <a:p>
             <a:fld id="{EAAB6EBA-9185-4344-A230-77DE96549BD2}" type="datetimeFigureOut">
               <a:rPr lang="en-AU" smtClean="0"/>
-              <a:t>5/05/2020</a:t>
+              <a:t>2/07/2020</a:t>
             </a:fld>
             <a:endParaRPr lang="en-AU"/>
           </a:p>
@@ -1142,7 +1147,7 @@
           <a:p>
             <a:fld id="{EAAB6EBA-9185-4344-A230-77DE96549BD2}" type="datetimeFigureOut">
               <a:rPr lang="en-AU" smtClean="0"/>
-              <a:t>5/05/2020</a:t>
+              <a:t>2/07/2020</a:t>
             </a:fld>
             <a:endParaRPr lang="en-AU"/>
           </a:p>
@@ -1410,7 +1415,7 @@
           <a:p>
             <a:fld id="{EAAB6EBA-9185-4344-A230-77DE96549BD2}" type="datetimeFigureOut">
               <a:rPr lang="en-AU" smtClean="0"/>
-              <a:t>5/05/2020</a:t>
+              <a:t>2/07/2020</a:t>
             </a:fld>
             <a:endParaRPr lang="en-AU"/>
           </a:p>
@@ -1825,7 +1830,7 @@
           <a:p>
             <a:fld id="{EAAB6EBA-9185-4344-A230-77DE96549BD2}" type="datetimeFigureOut">
               <a:rPr lang="en-AU" smtClean="0"/>
-              <a:t>5/05/2020</a:t>
+              <a:t>2/07/2020</a:t>
             </a:fld>
             <a:endParaRPr lang="en-AU"/>
           </a:p>
@@ -1967,7 +1972,7 @@
           <a:p>
             <a:fld id="{EAAB6EBA-9185-4344-A230-77DE96549BD2}" type="datetimeFigureOut">
               <a:rPr lang="en-AU" smtClean="0"/>
-              <a:t>5/05/2020</a:t>
+              <a:t>2/07/2020</a:t>
             </a:fld>
             <a:endParaRPr lang="en-AU"/>
           </a:p>
@@ -2080,7 +2085,7 @@
           <a:p>
             <a:fld id="{EAAB6EBA-9185-4344-A230-77DE96549BD2}" type="datetimeFigureOut">
               <a:rPr lang="en-AU" smtClean="0"/>
-              <a:t>5/05/2020</a:t>
+              <a:t>2/07/2020</a:t>
             </a:fld>
             <a:endParaRPr lang="en-AU"/>
           </a:p>
@@ -2393,7 +2398,7 @@
           <a:p>
             <a:fld id="{EAAB6EBA-9185-4344-A230-77DE96549BD2}" type="datetimeFigureOut">
               <a:rPr lang="en-AU" smtClean="0"/>
-              <a:t>5/05/2020</a:t>
+              <a:t>2/07/2020</a:t>
             </a:fld>
             <a:endParaRPr lang="en-AU"/>
           </a:p>
@@ -2682,7 +2687,7 @@
           <a:p>
             <a:fld id="{EAAB6EBA-9185-4344-A230-77DE96549BD2}" type="datetimeFigureOut">
               <a:rPr lang="en-AU" smtClean="0"/>
-              <a:t>5/05/2020</a:t>
+              <a:t>2/07/2020</a:t>
             </a:fld>
             <a:endParaRPr lang="en-AU"/>
           </a:p>
@@ -2925,7 +2930,7 @@
           <a:p>
             <a:fld id="{EAAB6EBA-9185-4344-A230-77DE96549BD2}" type="datetimeFigureOut">
               <a:rPr lang="en-AU" smtClean="0"/>
-              <a:t>5/05/2020</a:t>
+              <a:t>2/07/2020</a:t>
             </a:fld>
             <a:endParaRPr lang="en-AU"/>
           </a:p>
@@ -3344,15 +3349,15 @@
       </p:grpSpPr>
       <p:pic>
         <p:nvPicPr>
-          <p:cNvPr id="5" name="Picture 4" descr="A circuit board&#10;&#10;Description automatically generated">
-            <a:extLst>
-              <a:ext uri="{FF2B5EF4-FFF2-40B4-BE49-F238E27FC236}">
-                <a16:creationId xmlns:a16="http://schemas.microsoft.com/office/drawing/2014/main" id="{45781341-FB9E-45C9-A0FA-ACC7EF4E7038}"/>
+          <p:cNvPr id="1032" name="Picture 8" descr="Enviro+: A new Raspberry Pi HAT designed for environmental ...">
+            <a:extLst>
+              <a:ext uri="{FF2B5EF4-FFF2-40B4-BE49-F238E27FC236}">
+                <a16:creationId xmlns:a16="http://schemas.microsoft.com/office/drawing/2014/main" id="{D7135738-478A-447B-8A4A-6AC02C5D6D2E}"/>
               </a:ext>
             </a:extLst>
           </p:cNvPr>
           <p:cNvPicPr>
-            <a:picLocks noChangeAspect="1"/>
+            <a:picLocks noChangeAspect="1" noChangeArrowheads="1"/>
           </p:cNvPicPr>
           <p:nvPr/>
         </p:nvPicPr>
@@ -3364,25 +3369,35 @@
               </a:ext>
             </a:extLst>
           </a:blip>
-          <a:srcRect l="6433" t="16547" r="4696" b="13542"/>
+          <a:srcRect l="1660" t="7148" b="8314"/>
           <a:stretch/>
         </p:blipFill>
-        <p:spPr>
-          <a:xfrm>
-            <a:off x="1089889" y="2149765"/>
-            <a:ext cx="4849091" cy="3814619"/>
+        <p:spPr bwMode="auto">
+          <a:xfrm rot="1493784">
+            <a:off x="206496" y="2714921"/>
+            <a:ext cx="2818368" cy="2422843"/>
           </a:xfrm>
           <a:prstGeom prst="rect">
             <a:avLst/>
           </a:prstGeom>
+          <a:noFill/>
+          <a:extLst>
+            <a:ext uri="{909E8E84-426E-40DD-AFC4-6F175D3DCCD1}">
+              <a14:hiddenFill xmlns:a14="http://schemas.microsoft.com/office/drawing/2010/main">
+                <a:solidFill>
+                  <a:srgbClr val="FFFFFF"/>
+                </a:solidFill>
+              </a14:hiddenFill>
+            </a:ext>
+          </a:extLst>
         </p:spPr>
       </p:pic>
       <p:pic>
         <p:nvPicPr>
-          <p:cNvPr id="7" name="Picture 6" descr="A circuit board&#10;&#10;Description automatically generated">
-            <a:extLst>
-              <a:ext uri="{FF2B5EF4-FFF2-40B4-BE49-F238E27FC236}">
-                <a16:creationId xmlns:a16="http://schemas.microsoft.com/office/drawing/2014/main" id="{7A3D75CC-F934-465D-87F7-A57EFE623ABE}"/>
+          <p:cNvPr id="5" name="Picture 4" descr="A circuit board&#10;&#10;Description automatically generated">
+            <a:extLst>
+              <a:ext uri="{FF2B5EF4-FFF2-40B4-BE49-F238E27FC236}">
+                <a16:creationId xmlns:a16="http://schemas.microsoft.com/office/drawing/2014/main" id="{45781341-FB9E-45C9-A0FA-ACC7EF4E7038}"/>
               </a:ext>
             </a:extLst>
           </p:cNvPr>
@@ -3399,13 +3414,13 @@
               </a:ext>
             </a:extLst>
           </a:blip>
-          <a:srcRect l="2341" t="12071" b="13631"/>
+          <a:srcRect l="6433" t="16547" r="4696" b="13542"/>
           <a:stretch/>
         </p:blipFill>
         <p:spPr>
-          <a:xfrm>
-            <a:off x="8192655" y="2816822"/>
-            <a:ext cx="3260436" cy="2480503"/>
+          <a:xfrm rot="20681149">
+            <a:off x="369492" y="1232657"/>
+            <a:ext cx="2492381" cy="1960673"/>
           </a:xfrm>
           <a:prstGeom prst="rect">
             <a:avLst/>
@@ -3426,8 +3441,8 @@
         </p:nvSpPr>
         <p:spPr>
           <a:xfrm>
-            <a:off x="6253021" y="3549073"/>
-            <a:ext cx="1577567" cy="1016000"/>
+            <a:off x="3360161" y="3264174"/>
+            <a:ext cx="1004450" cy="1016000"/>
           </a:xfrm>
           <a:prstGeom prst="rightArrow">
             <a:avLst/>
@@ -3460,80 +3475,6 @@
       </p:sp>
       <p:sp>
         <p:nvSpPr>
-          <p:cNvPr id="9" name="TextBox 8">
-            <a:extLst>
-              <a:ext uri="{FF2B5EF4-FFF2-40B4-BE49-F238E27FC236}">
-                <a16:creationId xmlns:a16="http://schemas.microsoft.com/office/drawing/2014/main" id="{D57570F8-E580-40F3-B22B-6C3D4B217268}"/>
-              </a:ext>
-            </a:extLst>
-          </p:cNvPr>
-          <p:cNvSpPr txBox="1"/>
-          <p:nvPr/>
-        </p:nvSpPr>
-        <p:spPr>
-          <a:xfrm>
-            <a:off x="1166553" y="1579360"/>
-            <a:ext cx="4862421" cy="461665"/>
-          </a:xfrm>
-          <a:prstGeom prst="rect">
-            <a:avLst/>
-          </a:prstGeom>
-          <a:noFill/>
-        </p:spPr>
-        <p:txBody>
-          <a:bodyPr wrap="none" rtlCol="0">
-            <a:spAutoFit/>
-          </a:bodyPr>
-          <a:lstStyle/>
-          <a:p>
-            <a:r>
-              <a:rPr lang="en-AU" sz="2400" dirty="0"/>
-              <a:t>Built and debugged on Raspberry Pi 4</a:t>
-            </a:r>
-          </a:p>
-        </p:txBody>
-      </p:sp>
-      <p:sp>
-        <p:nvSpPr>
-          <p:cNvPr id="10" name="TextBox 9">
-            <a:extLst>
-              <a:ext uri="{FF2B5EF4-FFF2-40B4-BE49-F238E27FC236}">
-                <a16:creationId xmlns:a16="http://schemas.microsoft.com/office/drawing/2014/main" id="{1110A9A7-1174-4F54-B45D-310B8A0F5F5C}"/>
-              </a:ext>
-            </a:extLst>
-          </p:cNvPr>
-          <p:cNvSpPr txBox="1"/>
-          <p:nvPr/>
-        </p:nvSpPr>
-        <p:spPr>
-          <a:xfrm>
-            <a:off x="7343091" y="2149765"/>
-            <a:ext cx="4959563" cy="461665"/>
-          </a:xfrm>
-          <a:prstGeom prst="rect">
-            <a:avLst/>
-          </a:prstGeom>
-          <a:noFill/>
-        </p:spPr>
-        <p:txBody>
-          <a:bodyPr wrap="none" rtlCol="0">
-            <a:spAutoFit/>
-          </a:bodyPr>
-          <a:lstStyle/>
-          <a:p>
-            <a:r>
-              <a:rPr lang="en-AU" sz="2400" dirty="0" err="1"/>
-              <a:t>Dockerised</a:t>
-            </a:r>
-            <a:r>
-              <a:rPr lang="en-AU" sz="2400" dirty="0"/>
-              <a:t> and run on Raspberry Zero</a:t>
-            </a:r>
-          </a:p>
-        </p:txBody>
-      </p:sp>
-      <p:sp>
-        <p:nvSpPr>
           <p:cNvPr id="11" name="Title 10">
             <a:extLst>
               <a:ext uri="{FF2B5EF4-FFF2-40B4-BE49-F238E27FC236}">
@@ -3572,6 +3513,86 @@
           </a:p>
         </p:txBody>
       </p:sp>
+      <p:pic>
+        <p:nvPicPr>
+          <p:cNvPr id="3" name="Picture 2" descr="A screenshot of a social media post&#10;&#10;Description automatically generated">
+            <a:extLst>
+              <a:ext uri="{FF2B5EF4-FFF2-40B4-BE49-F238E27FC236}">
+                <a16:creationId xmlns:a16="http://schemas.microsoft.com/office/drawing/2014/main" id="{0EB82DEC-744F-46AD-AED5-EF7F570F2BCA}"/>
+              </a:ext>
+            </a:extLst>
+          </p:cNvPr>
+          <p:cNvPicPr>
+            <a:picLocks noChangeAspect="1"/>
+          </p:cNvPicPr>
+          <p:nvPr/>
+        </p:nvPicPr>
+        <p:blipFill rotWithShape="1">
+          <a:blip r:embed="rId4">
+            <a:extLst>
+              <a:ext uri="{28A0092B-C50C-407E-A947-70E740481C1C}">
+                <a14:useLocalDpi xmlns:a14="http://schemas.microsoft.com/office/drawing/2010/main" val="0"/>
+              </a:ext>
+            </a:extLst>
+          </a:blip>
+          <a:srcRect r="5760"/>
+          <a:stretch/>
+        </p:blipFill>
+        <p:spPr>
+          <a:xfrm>
+            <a:off x="4498190" y="1437360"/>
+            <a:ext cx="7306169" cy="4143713"/>
+          </a:xfrm>
+          <a:prstGeom prst="rect">
+            <a:avLst/>
+          </a:prstGeom>
+        </p:spPr>
+      </p:pic>
+      <p:pic>
+        <p:nvPicPr>
+          <p:cNvPr id="1028" name="Picture 4" descr="Building a Raspberry Pi Home Air Quality Sensor">
+            <a:extLst>
+              <a:ext uri="{FF2B5EF4-FFF2-40B4-BE49-F238E27FC236}">
+                <a16:creationId xmlns:a16="http://schemas.microsoft.com/office/drawing/2014/main" id="{80842EF3-4FB7-411F-AE82-B31CE621C4F7}"/>
+              </a:ext>
+            </a:extLst>
+          </p:cNvPr>
+          <p:cNvPicPr>
+            <a:picLocks noChangeAspect="1" noChangeArrowheads="1"/>
+          </p:cNvPicPr>
+          <p:nvPr/>
+        </p:nvPicPr>
+        <p:blipFill rotWithShape="1">
+          <a:blip r:embed="rId5">
+            <a:extLst>
+              <a:ext uri="{28A0092B-C50C-407E-A947-70E740481C1C}">
+                <a14:useLocalDpi xmlns:a14="http://schemas.microsoft.com/office/drawing/2010/main" val="0"/>
+              </a:ext>
+            </a:extLst>
+          </a:blip>
+          <a:srcRect l="29475" t="24946" r="2456" b="25673"/>
+          <a:stretch/>
+        </p:blipFill>
+        <p:spPr bwMode="auto">
+          <a:xfrm>
+            <a:off x="712929" y="4911663"/>
+            <a:ext cx="1805505" cy="1413520"/>
+          </a:xfrm>
+          <a:prstGeom prst="rect">
+            <a:avLst/>
+          </a:prstGeom>
+          <a:noFill/>
+          <a:extLst>
+            <a:ext uri="{909E8E84-426E-40DD-AFC4-6F175D3DCCD1}">
+              <a14:hiddenFill xmlns:a14="http://schemas.microsoft.com/office/drawing/2010/main">
+                <a:solidFill>
+                  <a:srgbClr val="FFFFFF"/>
+                </a:solidFill>
+              </a14:hiddenFill>
+            </a:ext>
+          </a:extLst>
+        </p:spPr>
+      </p:pic>
     </p:spTree>
     <p:extLst>
       <p:ext uri="{BB962C8B-B14F-4D97-AF65-F5344CB8AC3E}">
